--- a/images/backendPackageOverview.pptx
+++ b/images/backendPackageOverview.pptx
@@ -10,7 +10,7 @@
   <p:sldIdLst>
     <p:sldId id="256" r:id="rId2"/>
   </p:sldIdLst>
-  <p:sldSz cx="8640763" cy="6300788"/>
+  <p:sldSz cx="10799763" cy="6300788"/>
   <p:notesSz cx="6797675" cy="9872663"/>
   <p:custDataLst>
     <p:tags r:id="rId4"/>
@@ -113,12 +113,12 @@
   <p:extLst>
     <p:ext uri="{EFAFB233-063F-42B5-8137-9DF3F51BA10A}">
       <p15:sldGuideLst xmlns:p15="http://schemas.microsoft.com/office/powerpoint/2012/main">
-        <p15:guide id="1" orient="horz" pos="1985">
+        <p15:guide id="1" orient="horz" pos="1985" userDrawn="1">
           <p15:clr>
             <a:srgbClr val="A4A3A4"/>
           </p15:clr>
         </p15:guide>
-        <p15:guide id="2" pos="2722">
+        <p15:guide id="2" pos="3402" userDrawn="1">
           <p15:clr>
             <a:srgbClr val="A4A3A4"/>
           </p15:clr>
@@ -212,7 +212,7 @@
             <a:fld id="{5D8FA8FF-20DC-44E5-8C35-13EAF0A5698C}" type="datetimeFigureOut">
               <a:rPr lang="en-SG" smtClean="0"/>
               <a:pPr/>
-              <a:t>14/11/18</a:t>
+              <a:t>1/11/2019</a:t>
             </a:fld>
             <a:endParaRPr lang="en-SG"/>
           </a:p>
@@ -230,8 +230,8 @@
         </p:nvSpPr>
         <p:spPr>
           <a:xfrm>
-            <a:off x="860425" y="739775"/>
-            <a:ext cx="5076825" cy="3703638"/>
+            <a:off x="225425" y="739775"/>
+            <a:ext cx="6346825" cy="3703638"/>
           </a:xfrm>
           <a:prstGeom prst="rect">
             <a:avLst/>
@@ -510,8 +510,8 @@
         </p:nvSpPr>
         <p:spPr>
           <a:xfrm>
-            <a:off x="860425" y="739775"/>
-            <a:ext cx="5076825" cy="3703638"/>
+            <a:off x="225425" y="739775"/>
+            <a:ext cx="6346825" cy="3703638"/>
           </a:xfrm>
         </p:spPr>
       </p:sp>
@@ -600,8 +600,8 @@
         </p:nvSpPr>
         <p:spPr>
           <a:xfrm>
-            <a:off x="648057" y="1957328"/>
-            <a:ext cx="7344649" cy="1350586"/>
+            <a:off x="809983" y="1957328"/>
+            <a:ext cx="9179799" cy="1350586"/>
           </a:xfrm>
         </p:spPr>
         <p:txBody>
@@ -627,8 +627,8 @@
         </p:nvSpPr>
         <p:spPr>
           <a:xfrm>
-            <a:off x="1296115" y="3570447"/>
-            <a:ext cx="6048534" cy="1610201"/>
+            <a:off x="1619966" y="3570449"/>
+            <a:ext cx="7559833" cy="1610201"/>
           </a:xfrm>
         </p:spPr>
         <p:txBody>
@@ -751,7 +751,7 @@
             <a:fld id="{1D8BD707-D9CF-40AE-B4C6-C98DA3205C09}" type="datetimeFigureOut">
               <a:rPr lang="en-US" smtClean="0"/>
               <a:pPr/>
-              <a:t>11/14/18</a:t>
+              <a:t>11/1/2019</a:t>
             </a:fld>
             <a:endParaRPr lang="en-US"/>
           </a:p>
@@ -916,7 +916,7 @@
             <a:fld id="{1D8BD707-D9CF-40AE-B4C6-C98DA3205C09}" type="datetimeFigureOut">
               <a:rPr lang="en-US" smtClean="0"/>
               <a:pPr/>
-              <a:t>11/14/18</a:t>
+              <a:t>11/1/2019</a:t>
             </a:fld>
             <a:endParaRPr lang="en-US"/>
           </a:p>
@@ -1002,8 +1002,8 @@
         </p:nvSpPr>
         <p:spPr>
           <a:xfrm>
-            <a:off x="6264553" y="252324"/>
-            <a:ext cx="1944172" cy="5376089"/>
+            <a:off x="7829828" y="252326"/>
+            <a:ext cx="2429947" cy="5376089"/>
           </a:xfrm>
         </p:spPr>
         <p:txBody>
@@ -1029,8 +1029,8 @@
         </p:nvSpPr>
         <p:spPr>
           <a:xfrm>
-            <a:off x="432038" y="252324"/>
-            <a:ext cx="5688502" cy="5376089"/>
+            <a:off x="539988" y="252326"/>
+            <a:ext cx="7109844" cy="5376089"/>
           </a:xfrm>
         </p:spPr>
         <p:txBody>
@@ -1091,7 +1091,7 @@
             <a:fld id="{1D8BD707-D9CF-40AE-B4C6-C98DA3205C09}" type="datetimeFigureOut">
               <a:rPr lang="en-US" smtClean="0"/>
               <a:pPr/>
-              <a:t>11/14/18</a:t>
+              <a:t>11/1/2019</a:t>
             </a:fld>
             <a:endParaRPr lang="en-US"/>
           </a:p>
@@ -1256,7 +1256,7 @@
             <a:fld id="{1D8BD707-D9CF-40AE-B4C6-C98DA3205C09}" type="datetimeFigureOut">
               <a:rPr lang="en-US" smtClean="0"/>
               <a:pPr/>
-              <a:t>11/14/18</a:t>
+              <a:t>11/1/2019</a:t>
             </a:fld>
             <a:endParaRPr lang="en-US"/>
           </a:p>
@@ -1342,8 +1342,8 @@
         </p:nvSpPr>
         <p:spPr>
           <a:xfrm>
-            <a:off x="682561" y="4048840"/>
-            <a:ext cx="7344649" cy="1251407"/>
+            <a:off x="853108" y="4048842"/>
+            <a:ext cx="9179799" cy="1251407"/>
           </a:xfrm>
         </p:spPr>
         <p:txBody>
@@ -1373,8 +1373,8 @@
         </p:nvSpPr>
         <p:spPr>
           <a:xfrm>
-            <a:off x="682561" y="2670543"/>
-            <a:ext cx="7344649" cy="1378297"/>
+            <a:off x="853108" y="2670544"/>
+            <a:ext cx="9179799" cy="1378297"/>
           </a:xfrm>
         </p:spPr>
         <p:txBody>
@@ -1498,7 +1498,7 @@
             <a:fld id="{1D8BD707-D9CF-40AE-B4C6-C98DA3205C09}" type="datetimeFigureOut">
               <a:rPr lang="en-US" smtClean="0"/>
               <a:pPr/>
-              <a:t>11/14/18</a:t>
+              <a:t>11/1/2019</a:t>
             </a:fld>
             <a:endParaRPr lang="en-US"/>
           </a:p>
@@ -1606,8 +1606,8 @@
         </p:nvSpPr>
         <p:spPr>
           <a:xfrm>
-            <a:off x="432038" y="1470184"/>
-            <a:ext cx="3816337" cy="4158229"/>
+            <a:off x="539988" y="1470186"/>
+            <a:ext cx="4769895" cy="4158229"/>
           </a:xfrm>
         </p:spPr>
         <p:txBody>
@@ -1690,8 +1690,8 @@
         </p:nvSpPr>
         <p:spPr>
           <a:xfrm>
-            <a:off x="4392388" y="1470184"/>
-            <a:ext cx="3816337" cy="4158229"/>
+            <a:off x="5489881" y="1470186"/>
+            <a:ext cx="4769895" cy="4158229"/>
           </a:xfrm>
         </p:spPr>
         <p:txBody>
@@ -1780,7 +1780,7 @@
             <a:fld id="{1D8BD707-D9CF-40AE-B4C6-C98DA3205C09}" type="datetimeFigureOut">
               <a:rPr lang="en-US" smtClean="0"/>
               <a:pPr/>
-              <a:t>11/14/18</a:t>
+              <a:t>11/1/2019</a:t>
             </a:fld>
             <a:endParaRPr lang="en-US"/>
           </a:p>
@@ -1892,8 +1892,8 @@
         </p:nvSpPr>
         <p:spPr>
           <a:xfrm>
-            <a:off x="432038" y="1410385"/>
-            <a:ext cx="3817838" cy="587781"/>
+            <a:off x="539989" y="1410387"/>
+            <a:ext cx="4771771" cy="587781"/>
           </a:xfrm>
         </p:spPr>
         <p:txBody>
@@ -1957,8 +1957,8 @@
         </p:nvSpPr>
         <p:spPr>
           <a:xfrm>
-            <a:off x="432038" y="1998167"/>
-            <a:ext cx="3817838" cy="3630246"/>
+            <a:off x="539989" y="1998167"/>
+            <a:ext cx="4771771" cy="3630246"/>
           </a:xfrm>
         </p:spPr>
         <p:txBody>
@@ -2041,8 +2041,8 @@
         </p:nvSpPr>
         <p:spPr>
           <a:xfrm>
-            <a:off x="4389388" y="1410385"/>
-            <a:ext cx="3819337" cy="587781"/>
+            <a:off x="5486131" y="1410387"/>
+            <a:ext cx="4773645" cy="587781"/>
           </a:xfrm>
         </p:spPr>
         <p:txBody>
@@ -2106,8 +2106,8 @@
         </p:nvSpPr>
         <p:spPr>
           <a:xfrm>
-            <a:off x="4389388" y="1998167"/>
-            <a:ext cx="3819337" cy="3630246"/>
+            <a:off x="5486131" y="1998167"/>
+            <a:ext cx="4773645" cy="3630246"/>
           </a:xfrm>
         </p:spPr>
         <p:txBody>
@@ -2196,7 +2196,7 @@
             <a:fld id="{1D8BD707-D9CF-40AE-B4C6-C98DA3205C09}" type="datetimeFigureOut">
               <a:rPr lang="en-US" smtClean="0"/>
               <a:pPr/>
-              <a:t>11/14/18</a:t>
+              <a:t>11/1/2019</a:t>
             </a:fld>
             <a:endParaRPr lang="en-US"/>
           </a:p>
@@ -2310,7 +2310,7 @@
             <a:fld id="{1D8BD707-D9CF-40AE-B4C6-C98DA3205C09}" type="datetimeFigureOut">
               <a:rPr lang="en-US" smtClean="0"/>
               <a:pPr/>
-              <a:t>11/14/18</a:t>
+              <a:t>11/1/2019</a:t>
             </a:fld>
             <a:endParaRPr lang="en-US"/>
           </a:p>
@@ -2402,7 +2402,7 @@
             <a:fld id="{1D8BD707-D9CF-40AE-B4C6-C98DA3205C09}" type="datetimeFigureOut">
               <a:rPr lang="en-US" smtClean="0"/>
               <a:pPr/>
-              <a:t>11/14/18</a:t>
+              <a:t>11/1/2019</a:t>
             </a:fld>
             <a:endParaRPr lang="en-US"/>
           </a:p>
@@ -2488,8 +2488,8 @@
         </p:nvSpPr>
         <p:spPr>
           <a:xfrm>
-            <a:off x="432039" y="250864"/>
-            <a:ext cx="2842751" cy="1067634"/>
+            <a:off x="539991" y="250864"/>
+            <a:ext cx="3553046" cy="1067634"/>
           </a:xfrm>
         </p:spPr>
         <p:txBody>
@@ -2519,8 +2519,8 @@
         </p:nvSpPr>
         <p:spPr>
           <a:xfrm>
-            <a:off x="3378298" y="250865"/>
-            <a:ext cx="4830427" cy="5377548"/>
+            <a:off x="4222408" y="250865"/>
+            <a:ext cx="6037368" cy="5377548"/>
           </a:xfrm>
         </p:spPr>
         <p:txBody>
@@ -2603,8 +2603,8 @@
         </p:nvSpPr>
         <p:spPr>
           <a:xfrm>
-            <a:off x="432039" y="1318499"/>
-            <a:ext cx="2842751" cy="4309914"/>
+            <a:off x="539991" y="1318499"/>
+            <a:ext cx="3553046" cy="4309914"/>
           </a:xfrm>
         </p:spPr>
         <p:txBody>
@@ -2674,7 +2674,7 @@
             <a:fld id="{1D8BD707-D9CF-40AE-B4C6-C98DA3205C09}" type="datetimeFigureOut">
               <a:rPr lang="en-US" smtClean="0"/>
               <a:pPr/>
-              <a:t>11/14/18</a:t>
+              <a:t>11/1/2019</a:t>
             </a:fld>
             <a:endParaRPr lang="en-US"/>
           </a:p>
@@ -2760,8 +2760,8 @@
         </p:nvSpPr>
         <p:spPr>
           <a:xfrm>
-            <a:off x="1693650" y="4410551"/>
-            <a:ext cx="5184458" cy="520691"/>
+            <a:off x="2116829" y="4410553"/>
+            <a:ext cx="6479858" cy="520691"/>
           </a:xfrm>
         </p:spPr>
         <p:txBody>
@@ -2791,8 +2791,8 @@
         </p:nvSpPr>
         <p:spPr>
           <a:xfrm>
-            <a:off x="1693650" y="562987"/>
-            <a:ext cx="5184458" cy="3780473"/>
+            <a:off x="2116829" y="562989"/>
+            <a:ext cx="6479858" cy="3780473"/>
           </a:xfrm>
         </p:spPr>
         <p:txBody>
@@ -2852,8 +2852,8 @@
         </p:nvSpPr>
         <p:spPr>
           <a:xfrm>
-            <a:off x="1693650" y="4931242"/>
-            <a:ext cx="5184458" cy="739467"/>
+            <a:off x="2116829" y="4931244"/>
+            <a:ext cx="6479858" cy="739467"/>
           </a:xfrm>
         </p:spPr>
         <p:txBody>
@@ -2923,7 +2923,7 @@
             <a:fld id="{1D8BD707-D9CF-40AE-B4C6-C98DA3205C09}" type="datetimeFigureOut">
               <a:rPr lang="en-US" smtClean="0"/>
               <a:pPr/>
-              <a:t>11/14/18</a:t>
+              <a:t>11/1/2019</a:t>
             </a:fld>
             <a:endParaRPr lang="en-US"/>
           </a:p>
@@ -3014,8 +3014,8 @@
         </p:nvSpPr>
         <p:spPr>
           <a:xfrm>
-            <a:off x="432038" y="252324"/>
-            <a:ext cx="7776687" cy="1050131"/>
+            <a:off x="539989" y="252326"/>
+            <a:ext cx="9719788" cy="1050131"/>
           </a:xfrm>
           <a:prstGeom prst="rect">
             <a:avLst/>
@@ -3046,8 +3046,8 @@
         </p:nvSpPr>
         <p:spPr>
           <a:xfrm>
-            <a:off x="432038" y="1470184"/>
-            <a:ext cx="7776687" cy="4158229"/>
+            <a:off x="539989" y="1470186"/>
+            <a:ext cx="9719788" cy="4158229"/>
           </a:xfrm>
           <a:prstGeom prst="rect">
             <a:avLst/>
@@ -3107,8 +3107,8 @@
         </p:nvSpPr>
         <p:spPr>
           <a:xfrm>
-            <a:off x="432038" y="5839897"/>
-            <a:ext cx="2016178" cy="335459"/>
+            <a:off x="539989" y="5839899"/>
+            <a:ext cx="2519944" cy="335459"/>
           </a:xfrm>
           <a:prstGeom prst="rect">
             <a:avLst/>
@@ -3131,7 +3131,7 @@
             <a:fld id="{1D8BD707-D9CF-40AE-B4C6-C98DA3205C09}" type="datetimeFigureOut">
               <a:rPr lang="en-US" smtClean="0"/>
               <a:pPr/>
-              <a:t>11/14/18</a:t>
+              <a:t>11/1/2019</a:t>
             </a:fld>
             <a:endParaRPr lang="en-US"/>
           </a:p>
@@ -3149,8 +3149,8 @@
         </p:nvSpPr>
         <p:spPr>
           <a:xfrm>
-            <a:off x="2952261" y="5839897"/>
-            <a:ext cx="2736242" cy="335459"/>
+            <a:off x="3689920" y="5839899"/>
+            <a:ext cx="3419925" cy="335459"/>
           </a:xfrm>
           <a:prstGeom prst="rect">
             <a:avLst/>
@@ -3186,8 +3186,8 @@
         </p:nvSpPr>
         <p:spPr>
           <a:xfrm>
-            <a:off x="6192547" y="5839897"/>
-            <a:ext cx="2016178" cy="335459"/>
+            <a:off x="7739831" y="5839899"/>
+            <a:ext cx="2519944" cy="335459"/>
           </a:xfrm>
           <a:prstGeom prst="rect">
             <a:avLst/>
@@ -3510,7 +3510,7 @@
         </p:nvSpPr>
         <p:spPr>
           <a:xfrm>
-            <a:off x="2385888" y="2450695"/>
+            <a:off x="2627188" y="2457788"/>
             <a:ext cx="1872000" cy="1835606"/>
           </a:xfrm>
           <a:prstGeom prst="roundRect">
@@ -3569,7 +3569,7 @@
         </p:nvSpPr>
         <p:spPr>
           <a:xfrm>
-            <a:off x="4642347" y="2450695"/>
+            <a:off x="4883647" y="2457788"/>
             <a:ext cx="1872000" cy="1835606"/>
           </a:xfrm>
           <a:prstGeom prst="roundRect">
@@ -3628,7 +3628,7 @@
         </p:nvSpPr>
         <p:spPr>
           <a:xfrm>
-            <a:off x="143088" y="2450695"/>
+            <a:off x="384388" y="2457788"/>
             <a:ext cx="1872000" cy="1835606"/>
           </a:xfrm>
           <a:prstGeom prst="roundRect">
@@ -3687,8 +3687,8 @@
         </p:nvSpPr>
         <p:spPr>
           <a:xfrm>
-            <a:off x="129381" y="1238301"/>
-            <a:ext cx="8382000" cy="838200"/>
+            <a:off x="370681" y="1245394"/>
+            <a:ext cx="10287000" cy="838200"/>
           </a:xfrm>
           <a:prstGeom prst="roundRect">
             <a:avLst>
@@ -3745,7 +3745,7 @@
         </p:nvGrpSpPr>
         <p:grpSpPr>
           <a:xfrm>
-            <a:off x="269087" y="3524794"/>
+            <a:off x="510387" y="3531889"/>
             <a:ext cx="1620000" cy="539999"/>
             <a:chOff x="-228600" y="1281348"/>
             <a:chExt cx="1371600" cy="609600"/>
@@ -3877,7 +3877,7 @@
         </p:nvSpPr>
         <p:spPr>
           <a:xfrm>
-            <a:off x="2511888" y="2939695"/>
+            <a:off x="2753188" y="2946788"/>
             <a:ext cx="1620000" cy="432000"/>
           </a:xfrm>
           <a:prstGeom prst="rect">
@@ -3916,7 +3916,7 @@
           <a:p>
             <a:pPr algn="ctr"/>
             <a:r>
-              <a:rPr lang="en-SG" sz="1400" b="1" dirty="0" smtClean="0">
+              <a:rPr lang="en-SG" sz="1400" b="1" dirty="0">
                 <a:solidFill>
                   <a:srgbClr val="7030A0"/>
                 </a:solidFill>
@@ -3924,7 +3924,7 @@
               <a:t>*</a:t>
             </a:r>
             <a:r>
-              <a:rPr lang="en-SG" sz="1400" b="1" dirty="0" err="1" smtClean="0">
+              <a:rPr lang="en-SG" sz="1400" b="1" dirty="0" err="1">
                 <a:solidFill>
                   <a:srgbClr val="7030A0"/>
                 </a:solidFill>
@@ -3947,7 +3947,7 @@
         </p:nvGrpSpPr>
         <p:grpSpPr>
           <a:xfrm>
-            <a:off x="4771488" y="2838994"/>
+            <a:off x="5012788" y="2846087"/>
             <a:ext cx="1613426" cy="540000"/>
             <a:chOff x="-447564" y="1782355"/>
             <a:chExt cx="1600200" cy="762000"/>
@@ -4095,7 +4095,7 @@
         </p:nvGrpSpPr>
         <p:grpSpPr>
           <a:xfrm>
-            <a:off x="178908" y="1459090"/>
+            <a:off x="420210" y="1466183"/>
             <a:ext cx="1835999" cy="485142"/>
             <a:chOff x="-533400" y="1387381"/>
             <a:chExt cx="1676400" cy="491269"/>
@@ -4246,7 +4246,7 @@
         </p:nvCxnSpPr>
         <p:spPr>
           <a:xfrm>
-            <a:off x="1079087" y="2072229"/>
+            <a:off x="1320389" y="2079322"/>
             <a:ext cx="1" cy="378466"/>
           </a:xfrm>
           <a:prstGeom prst="straightConnector1">
@@ -4289,7 +4289,7 @@
         </p:nvCxnSpPr>
         <p:spPr>
           <a:xfrm>
-            <a:off x="3321888" y="2072229"/>
+            <a:off x="3563188" y="2079322"/>
             <a:ext cx="0" cy="378466"/>
           </a:xfrm>
           <a:prstGeom prst="straightConnector1">
@@ -4332,7 +4332,7 @@
         </p:nvCxnSpPr>
         <p:spPr>
           <a:xfrm flipV="1">
-            <a:off x="5578347" y="2072229"/>
+            <a:off x="5819647" y="2079322"/>
             <a:ext cx="0" cy="378466"/>
           </a:xfrm>
           <a:prstGeom prst="straightConnector1">
@@ -4374,7 +4374,7 @@
         </p:nvGrpSpPr>
         <p:grpSpPr>
           <a:xfrm>
-            <a:off x="2176660" y="1466367"/>
+            <a:off x="2417962" y="1473462"/>
             <a:ext cx="1835999" cy="478575"/>
             <a:chOff x="-533400" y="1394031"/>
             <a:chExt cx="1676400" cy="484619"/>
@@ -4511,7 +4511,7 @@
         </p:nvGrpSpPr>
         <p:grpSpPr>
           <a:xfrm>
-            <a:off x="4300460" y="1460631"/>
+            <a:off x="4541760" y="1467726"/>
             <a:ext cx="2084454" cy="487699"/>
             <a:chOff x="-762000" y="1396159"/>
             <a:chExt cx="1905000" cy="481133"/>
@@ -4656,7 +4656,7 @@
         </p:nvGrpSpPr>
         <p:grpSpPr>
           <a:xfrm>
-            <a:off x="269087" y="2830056"/>
+            <a:off x="510387" y="2837151"/>
             <a:ext cx="1620000" cy="538799"/>
             <a:chOff x="-228600" y="1537552"/>
             <a:chExt cx="1371600" cy="608246"/>
@@ -4790,7 +4790,7 @@
         </p:nvCxnSpPr>
         <p:spPr>
           <a:xfrm>
-            <a:off x="2014907" y="3431992"/>
+            <a:off x="2256209" y="3439085"/>
             <a:ext cx="370981" cy="0"/>
           </a:xfrm>
           <a:prstGeom prst="straightConnector1">
@@ -4832,7 +4832,7 @@
         </p:nvCxnSpPr>
         <p:spPr>
           <a:xfrm>
-            <a:off x="4205820" y="3475903"/>
+            <a:off x="4447122" y="3482996"/>
             <a:ext cx="436527" cy="0"/>
           </a:xfrm>
           <a:prstGeom prst="straightConnector1">
@@ -4872,7 +4872,7 @@
         </p:nvSpPr>
         <p:spPr>
           <a:xfrm rot="16200000">
-            <a:off x="7288421" y="3556986"/>
+            <a:off x="7529721" y="3564081"/>
             <a:ext cx="1371600" cy="1015615"/>
           </a:xfrm>
           <a:prstGeom prst="flowChartMagneticDrum">
@@ -4945,7 +4945,7 @@
         </p:nvCxnSpPr>
         <p:spPr>
           <a:xfrm>
-            <a:off x="6384914" y="3162994"/>
+            <a:off x="6626214" y="3170087"/>
             <a:ext cx="1589308" cy="216000"/>
           </a:xfrm>
           <a:prstGeom prst="bentConnector2">
@@ -4982,7 +4982,7 @@
           <p:cNvPr id="117" name="Group 116">
             <a:extLst>
               <a:ext uri="{FF2B5EF4-FFF2-40B4-BE49-F238E27FC236}">
-                <a16:creationId xmlns:a16="http://schemas.microsoft.com/office/drawing/2014/main" xmlns="" id="{4FDC26D5-F4B7-8849-9F45-00A27180D155}"/>
+                <a16:creationId xmlns:a16="http://schemas.microsoft.com/office/drawing/2014/main" id="{4FDC26D5-F4B7-8849-9F45-00A27180D155}"/>
               </a:ext>
             </a:extLst>
           </p:cNvPr>
@@ -4993,10 +4993,10 @@
         </p:nvGrpSpPr>
         <p:grpSpPr>
           <a:xfrm>
-            <a:off x="6438658" y="1466901"/>
-            <a:ext cx="1835999" cy="487699"/>
+            <a:off x="6679960" y="1473996"/>
+            <a:ext cx="1835999" cy="487700"/>
             <a:chOff x="-762000" y="1396159"/>
-            <a:chExt cx="1905000" cy="481133"/>
+            <a:chExt cx="1905000" cy="481134"/>
           </a:xfrm>
           <a:solidFill>
             <a:schemeClr val="bg1"/>
@@ -5007,7 +5007,7 @@
             <p:cNvPr id="129" name="Rectangle 128">
               <a:extLst>
                 <a:ext uri="{FF2B5EF4-FFF2-40B4-BE49-F238E27FC236}">
-                  <a16:creationId xmlns:a16="http://schemas.microsoft.com/office/drawing/2014/main" xmlns="" id="{0907A73C-A84B-624B-9EFB-54EDEEC5FACF}"/>
+                  <a16:creationId xmlns:a16="http://schemas.microsoft.com/office/drawing/2014/main" id="{0907A73C-A84B-624B-9EFB-54EDEEC5FACF}"/>
                 </a:ext>
               </a:extLst>
             </p:cNvPr>
@@ -5016,7 +5016,7 @@
           </p:nvSpPr>
           <p:spPr>
             <a:xfrm>
-              <a:off x="-762000" y="1524000"/>
+              <a:off x="-762000" y="1524001"/>
               <a:ext cx="1905000" cy="353292"/>
             </a:xfrm>
             <a:prstGeom prst="rect">
@@ -5077,7 +5077,7 @@
             <p:cNvPr id="130" name="Rectangle 129">
               <a:extLst>
                 <a:ext uri="{FF2B5EF4-FFF2-40B4-BE49-F238E27FC236}">
-                  <a16:creationId xmlns:a16="http://schemas.microsoft.com/office/drawing/2014/main" xmlns="" id="{01BE302F-0E22-EF4F-A558-F1CCDBA2A16B}"/>
+                  <a16:creationId xmlns:a16="http://schemas.microsoft.com/office/drawing/2014/main" id="{01BE302F-0E22-EF4F-A558-F1CCDBA2A16B}"/>
                 </a:ext>
               </a:extLst>
             </p:cNvPr>
@@ -5132,6 +5132,71 @@
           </p:txBody>
         </p:sp>
       </p:grpSp>
+      <p:sp>
+        <p:nvSpPr>
+          <p:cNvPr id="36" name="Rectangle 35">
+            <a:extLst>
+              <a:ext uri="{FF2B5EF4-FFF2-40B4-BE49-F238E27FC236}">
+                <a16:creationId xmlns:a16="http://schemas.microsoft.com/office/drawing/2014/main" id="{219C746D-CE0C-4841-8D75-62EE488FC3DF}"/>
+              </a:ext>
+            </a:extLst>
+          </p:cNvPr>
+          <p:cNvSpPr/>
+          <p:nvPr/>
+        </p:nvSpPr>
+        <p:spPr>
+          <a:xfrm>
+            <a:off x="8593083" y="1606988"/>
+            <a:ext cx="1970157" cy="354708"/>
+          </a:xfrm>
+          <a:prstGeom prst="rect">
+            <a:avLst/>
+          </a:prstGeom>
+          <a:solidFill>
+            <a:schemeClr val="bg1"/>
+          </a:solidFill>
+          <a:ln>
+            <a:solidFill>
+              <a:schemeClr val="accent5">
+                <a:lumMod val="75000"/>
+              </a:schemeClr>
+            </a:solidFill>
+          </a:ln>
+        </p:spPr>
+        <p:style>
+          <a:lnRef idx="2">
+            <a:schemeClr val="accent1">
+              <a:shade val="50000"/>
+            </a:schemeClr>
+          </a:lnRef>
+          <a:fillRef idx="1">
+            <a:schemeClr val="accent1"/>
+          </a:fillRef>
+          <a:effectRef idx="0">
+            <a:schemeClr val="accent1"/>
+          </a:effectRef>
+          <a:fontRef idx="minor">
+            <a:schemeClr val="lt1"/>
+          </a:fontRef>
+        </p:style>
+        <p:txBody>
+          <a:bodyPr rtlCol="0" anchor="ctr"/>
+          <a:lstStyle/>
+          <a:p>
+            <a:pPr algn="ctr"/>
+            <a:r>
+              <a:rPr lang="en-SG" sz="1400" b="1" dirty="0">
+                <a:solidFill>
+                  <a:schemeClr val="accent5">
+                    <a:lumMod val="75000"/>
+                  </a:schemeClr>
+                </a:solidFill>
+              </a:rPr>
+              <a:t>JavaMailCommons.java</a:t>
+            </a:r>
+          </a:p>
+        </p:txBody>
+      </p:sp>
     </p:spTree>
     <p:extLst>
       <p:ext uri="{BB962C8B-B14F-4D97-AF65-F5344CB8AC3E}">
